--- a/output/2025-06-22_disciplesmakingdisciples_ServiceSlides.pptx
+++ b/output/2025-06-22_disciplesmakingdisciples_ServiceSlides.pptx
@@ -3129,90 +3129,66 @@
           </a:prstGeom>
         </p:spPr>
       </p:pic>
-      <p:sp>
-        <p:nvSpPr>
-          <p:cNvPr id="3" name="Rounded Rectangle 2"/>
-          <p:cNvSpPr/>
-          <p:nvPr/>
-        </p:nvSpPr>
-        <p:spPr>
-          <a:xfrm>
-            <a:off x="457200" y="1143000"/>
-            <a:ext cx="8229600" cy="4572000"/>
-          </a:xfrm>
-          <a:prstGeom prst="roundRect">
-            <a:avLst/>
-          </a:prstGeom>
-          <a:solidFill>
-            <a:srgbClr val="000000"/>
-          </a:solidFill>
-          <a:ln>
-            <a:noFill/>
-          </a:ln>
-        </p:spPr>
-        <p:style>
-          <a:lnRef idx="1">
-            <a:schemeClr val="accent1"/>
-          </a:lnRef>
-          <a:fillRef idx="3">
-            <a:schemeClr val="accent1"/>
-          </a:fillRef>
-          <a:effectRef idx="2">
-            <a:schemeClr val="accent1"/>
-          </a:effectRef>
-          <a:fontRef idx="minor">
-            <a:schemeClr val="lt1"/>
-          </a:fontRef>
-        </p:style>
-        <p:txBody>
-          <a:bodyPr rtlCol="0" anchor="ctr"/>
-          <a:lstStyle/>
-          <a:p>
-            <a:pPr algn="ctr"/>
-          </a:p>
-        </p:txBody>
-      </p:sp>
-      <p:sp>
-        <p:nvSpPr>
-          <p:cNvPr id="4" name="TextBox 3"/>
-          <p:cNvSpPr txBox="1"/>
-          <p:nvPr/>
-        </p:nvSpPr>
-        <p:spPr>
-          <a:xfrm>
-            <a:off x="731520" y="1417320"/>
-            <a:ext cx="7680960" cy="4023360"/>
+      <p:pic>
+        <p:nvPicPr>
+          <p:cNvPr id="3" name="countdown.mp4">
+            <a:hlinkClick r:id="" action="ppaction://media"/>
+          </p:cNvPr>
+          <p:cNvPicPr>
+            <a:picLocks noChangeAspect="1"/>
+          </p:cNvPicPr>
+          <p:nvPr>
+            <a:videoFile r:link="rId4"/>
+            <p:extLst>
+              <p:ext uri="{DAA4B4D4-6D71-4841-9C94-3DE7FCFB9230}">
+                <p14:media xmlns:p14="http://schemas.microsoft.com/office/powerpoint/2010/main" r:embed="rId3"/>
+              </p:ext>
+            </p:extLst>
+          </p:nvPr>
+        </p:nvPicPr>
+        <p:blipFill>
+          <a:blip r:embed="rId5"/>
+          <a:stretch>
+            <a:fillRect/>
+          </a:stretch>
+        </p:blipFill>
+        <p:spPr>
+          <a:xfrm>
+            <a:off x="0" y="857250"/>
+            <a:ext cx="9144000" cy="5143500"/>
           </a:xfrm>
           <a:prstGeom prst="rect">
             <a:avLst/>
           </a:prstGeom>
-          <a:noFill/>
-        </p:spPr>
-        <p:txBody>
-          <a:bodyPr wrap="square" anchor="ctr">
-            <a:spAutoFit/>
-          </a:bodyPr>
-          <a:lstStyle/>
-          <a:p/>
-          <a:p>
-            <a:pPr algn="ctr">
-              <a:defRPr b="1" sz="3600">
-                <a:solidFill>
-                  <a:srgbClr val="FFFFFF"/>
-                </a:solidFill>
-              </a:defRPr>
-            </a:pPr>
-            <a:r>
-              <a:t>5 Minute Countdown (Regular)</a:t>
-            </a:r>
-          </a:p>
-        </p:txBody>
-      </p:sp>
+        </p:spPr>
+      </p:pic>
     </p:spTree>
   </p:cSld>
   <p:clrMapOvr>
     <a:masterClrMapping/>
   </p:clrMapOvr>
+  <p:timing>
+    <p:tnLst>
+      <p:par>
+        <p:cTn id="1" dur="indefinite" restart="never" nodeType="tmRoot">
+          <p:childTnLst>
+            <p:video>
+              <p:cMediaNode vol="80000">
+                <p:cTn id="2" fill="hold" display="0">
+                  <p:stCondLst>
+                    <p:cond delay="indefinite"/>
+                  </p:stCondLst>
+                </p:cTn>
+                <p:tgtEl>
+                  <p:spTgt spid="3"/>
+                </p:tgtEl>
+              </p:cMediaNode>
+            </p:video>
+          </p:childTnLst>
+        </p:cTn>
+      </p:par>
+    </p:tnLst>
+  </p:timing>
 </p:sld>
 </file>
 
